--- a/assets/images/layout/bmvc-2026.pptx
+++ b/assets/images/layout/bmvc-2026.pptx
@@ -6304,14 +6304,13 @@
           </p:cNvPr>
           <p:cNvCxnSpPr>
             <a:cxnSpLocks/>
-            <a:stCxn id="148" idx="0"/>
           </p:cNvCxnSpPr>
           <p:nvPr/>
         </p:nvCxnSpPr>
         <p:spPr>
           <a:xfrm flipH="1">
-            <a:off x="2574131" y="869296"/>
-            <a:ext cx="903914" cy="215195"/>
+            <a:off x="2574131" y="865379"/>
+            <a:ext cx="909639" cy="219112"/>
           </a:xfrm>
           <a:prstGeom prst="line">
             <a:avLst/>
@@ -6394,7 +6393,7 @@
         </p:nvSpPr>
         <p:spPr>
           <a:xfrm>
-            <a:off x="3360047" y="865379"/>
+            <a:off x="3360047" y="862998"/>
             <a:ext cx="306658" cy="291086"/>
           </a:xfrm>
           <a:prstGeom prst="arc">
@@ -6428,7 +6427,15 @@
           <a:lstStyle/>
           <a:p>
             <a:pPr algn="ctr"/>
-            <a:endParaRPr lang="en-GB"/>
+            <a:endParaRPr lang="en-US" dirty="0"/>
+          </a:p>
+          <a:p>
+            <a:pPr algn="ctr"/>
+            <a:endParaRPr lang="en-GB" dirty="0"/>
+          </a:p>
+          <a:p>
+            <a:pPr algn="ctr"/>
+            <a:endParaRPr lang="en-GB" dirty="0"/>
           </a:p>
         </p:txBody>
       </p:sp>
@@ -6448,8 +6455,8 @@
         </p:nvCxnSpPr>
         <p:spPr>
           <a:xfrm>
-            <a:off x="3666705" y="1010922"/>
-            <a:ext cx="0" cy="1038951"/>
+            <a:off x="3666705" y="994254"/>
+            <a:ext cx="0" cy="1062000"/>
           </a:xfrm>
           <a:prstGeom prst="line">
             <a:avLst/>
@@ -6489,7 +6496,7 @@
         </p:nvSpPr>
         <p:spPr>
           <a:xfrm flipV="1">
-            <a:off x="3360047" y="1891637"/>
+            <a:off x="3360047" y="1893600"/>
             <a:ext cx="306658" cy="291086"/>
           </a:xfrm>
           <a:prstGeom prst="arc">
